--- a/paper/figures.pptx
+++ b/paper/figures.pptx
@@ -244,7 +244,7 @@
           <a:p>
             <a:fld id="{E626CB36-7E63-4C16-8907-02915AD85FD1}" type="datetimeFigureOut">
               <a:rPr lang="en-GB" smtClean="0"/>
-              <a:t>23/06/2019</a:t>
+              <a:t>25/06/2019</a:t>
             </a:fld>
             <a:endParaRPr lang="en-GB"/>
           </a:p>
@@ -414,7 +414,7 @@
           <a:p>
             <a:fld id="{E626CB36-7E63-4C16-8907-02915AD85FD1}" type="datetimeFigureOut">
               <a:rPr lang="en-GB" smtClean="0"/>
-              <a:t>23/06/2019</a:t>
+              <a:t>25/06/2019</a:t>
             </a:fld>
             <a:endParaRPr lang="en-GB"/>
           </a:p>
@@ -594,7 +594,7 @@
           <a:p>
             <a:fld id="{E626CB36-7E63-4C16-8907-02915AD85FD1}" type="datetimeFigureOut">
               <a:rPr lang="en-GB" smtClean="0"/>
-              <a:t>23/06/2019</a:t>
+              <a:t>25/06/2019</a:t>
             </a:fld>
             <a:endParaRPr lang="en-GB"/>
           </a:p>
@@ -764,7 +764,7 @@
           <a:p>
             <a:fld id="{E626CB36-7E63-4C16-8907-02915AD85FD1}" type="datetimeFigureOut">
               <a:rPr lang="en-GB" smtClean="0"/>
-              <a:t>23/06/2019</a:t>
+              <a:t>25/06/2019</a:t>
             </a:fld>
             <a:endParaRPr lang="en-GB"/>
           </a:p>
@@ -1010,7 +1010,7 @@
           <a:p>
             <a:fld id="{E626CB36-7E63-4C16-8907-02915AD85FD1}" type="datetimeFigureOut">
               <a:rPr lang="en-GB" smtClean="0"/>
-              <a:t>23/06/2019</a:t>
+              <a:t>25/06/2019</a:t>
             </a:fld>
             <a:endParaRPr lang="en-GB"/>
           </a:p>
@@ -1242,7 +1242,7 @@
           <a:p>
             <a:fld id="{E626CB36-7E63-4C16-8907-02915AD85FD1}" type="datetimeFigureOut">
               <a:rPr lang="en-GB" smtClean="0"/>
-              <a:t>23/06/2019</a:t>
+              <a:t>25/06/2019</a:t>
             </a:fld>
             <a:endParaRPr lang="en-GB"/>
           </a:p>
@@ -1609,7 +1609,7 @@
           <a:p>
             <a:fld id="{E626CB36-7E63-4C16-8907-02915AD85FD1}" type="datetimeFigureOut">
               <a:rPr lang="en-GB" smtClean="0"/>
-              <a:t>23/06/2019</a:t>
+              <a:t>25/06/2019</a:t>
             </a:fld>
             <a:endParaRPr lang="en-GB"/>
           </a:p>
@@ -1727,7 +1727,7 @@
           <a:p>
             <a:fld id="{E626CB36-7E63-4C16-8907-02915AD85FD1}" type="datetimeFigureOut">
               <a:rPr lang="en-GB" smtClean="0"/>
-              <a:t>23/06/2019</a:t>
+              <a:t>25/06/2019</a:t>
             </a:fld>
             <a:endParaRPr lang="en-GB"/>
           </a:p>
@@ -1822,7 +1822,7 @@
           <a:p>
             <a:fld id="{E626CB36-7E63-4C16-8907-02915AD85FD1}" type="datetimeFigureOut">
               <a:rPr lang="en-GB" smtClean="0"/>
-              <a:t>23/06/2019</a:t>
+              <a:t>25/06/2019</a:t>
             </a:fld>
             <a:endParaRPr lang="en-GB"/>
           </a:p>
@@ -2099,7 +2099,7 @@
           <a:p>
             <a:fld id="{E626CB36-7E63-4C16-8907-02915AD85FD1}" type="datetimeFigureOut">
               <a:rPr lang="en-GB" smtClean="0"/>
-              <a:t>23/06/2019</a:t>
+              <a:t>25/06/2019</a:t>
             </a:fld>
             <a:endParaRPr lang="en-GB"/>
           </a:p>
@@ -2356,7 +2356,7 @@
           <a:p>
             <a:fld id="{E626CB36-7E63-4C16-8907-02915AD85FD1}" type="datetimeFigureOut">
               <a:rPr lang="en-GB" smtClean="0"/>
-              <a:t>23/06/2019</a:t>
+              <a:t>25/06/2019</a:t>
             </a:fld>
             <a:endParaRPr lang="en-GB"/>
           </a:p>
@@ -2569,7 +2569,7 @@
           <a:p>
             <a:fld id="{E626CB36-7E63-4C16-8907-02915AD85FD1}" type="datetimeFigureOut">
               <a:rPr lang="en-GB" smtClean="0"/>
-              <a:t>23/06/2019</a:t>
+              <a:t>25/06/2019</a:t>
             </a:fld>
             <a:endParaRPr lang="en-GB"/>
           </a:p>
@@ -4818,7 +4818,7 @@
         </p:nvSpPr>
         <p:spPr>
           <a:xfrm>
-            <a:off x="1788949" y="3183772"/>
+            <a:off x="1988701" y="3458089"/>
             <a:ext cx="2511327" cy="461665"/>
           </a:xfrm>
           <a:prstGeom prst="rect">
@@ -5164,6 +5164,70 @@
           </p:txBody>
         </p:sp>
       </p:grpSp>
+      <p:sp>
+        <p:nvSpPr>
+          <p:cNvPr id="25" name="TextBox 24">
+            <a:extLst>
+              <a:ext uri="{FF2B5EF4-FFF2-40B4-BE49-F238E27FC236}">
+                <a16:creationId xmlns:a16="http://schemas.microsoft.com/office/drawing/2014/main" id="{EC7F1F9B-1BF6-4DF1-BD54-F0FAC2C0BDBA}"/>
+              </a:ext>
+            </a:extLst>
+          </p:cNvPr>
+          <p:cNvSpPr txBox="1"/>
+          <p:nvPr/>
+        </p:nvSpPr>
+        <p:spPr>
+          <a:xfrm>
+            <a:off x="271690" y="3045690"/>
+            <a:ext cx="3229200" cy="461665"/>
+          </a:xfrm>
+          <a:prstGeom prst="rect">
+            <a:avLst/>
+          </a:prstGeom>
+          <a:noFill/>
+        </p:spPr>
+        <p:txBody>
+          <a:bodyPr wrap="square" rtlCol="0">
+            <a:spAutoFit/>
+          </a:bodyPr>
+          <a:lstStyle/>
+          <a:p>
+            <a:r>
+              <a:rPr lang="fr-FR" sz="2400" b="1" dirty="0" err="1">
+                <a:solidFill>
+                  <a:srgbClr val="2196F3"/>
+                </a:solidFill>
+                <a:latin typeface="Consolas" panose="020B0609020204030204" pitchFamily="49" charset="0"/>
+              </a:rPr>
+              <a:t>lavaan</a:t>
+            </a:r>
+            <a:r>
+              <a:rPr lang="fr-FR" sz="2400" b="1" dirty="0">
+                <a:solidFill>
+                  <a:srgbClr val="F44336"/>
+                </a:solidFill>
+                <a:latin typeface="Consolas" panose="020B0609020204030204" pitchFamily="49" charset="0"/>
+              </a:rPr>
+              <a:t>::</a:t>
+            </a:r>
+            <a:r>
+              <a:rPr lang="fr-FR" sz="2400" b="1" dirty="0" err="1">
+                <a:latin typeface="Consolas" panose="020B0609020204030204" pitchFamily="49" charset="0"/>
+              </a:rPr>
+              <a:t>sem</a:t>
+            </a:r>
+            <a:r>
+              <a:rPr lang="fr-FR" sz="2400" dirty="0">
+                <a:latin typeface="Consolas" panose="020B0609020204030204" pitchFamily="49" charset="0"/>
+              </a:rPr>
+              <a:t>()</a:t>
+            </a:r>
+            <a:endParaRPr lang="en-GB" sz="2400" dirty="0">
+              <a:latin typeface="Consolas" panose="020B0609020204030204" pitchFamily="49" charset="0"/>
+            </a:endParaRPr>
+          </a:p>
+        </p:txBody>
+      </p:sp>
     </p:spTree>
     <p:extLst>
       <p:ext uri="{BB962C8B-B14F-4D97-AF65-F5344CB8AC3E}">

--- a/paper/figures.pptx
+++ b/paper/figures.pptx
@@ -244,7 +244,7 @@
           <a:p>
             <a:fld id="{E626CB36-7E63-4C16-8907-02915AD85FD1}" type="datetimeFigureOut">
               <a:rPr lang="en-GB" smtClean="0"/>
-              <a:t>25/06/2019</a:t>
+              <a:t>28/06/2019</a:t>
             </a:fld>
             <a:endParaRPr lang="en-GB"/>
           </a:p>
@@ -414,7 +414,7 @@
           <a:p>
             <a:fld id="{E626CB36-7E63-4C16-8907-02915AD85FD1}" type="datetimeFigureOut">
               <a:rPr lang="en-GB" smtClean="0"/>
-              <a:t>25/06/2019</a:t>
+              <a:t>28/06/2019</a:t>
             </a:fld>
             <a:endParaRPr lang="en-GB"/>
           </a:p>
@@ -594,7 +594,7 @@
           <a:p>
             <a:fld id="{E626CB36-7E63-4C16-8907-02915AD85FD1}" type="datetimeFigureOut">
               <a:rPr lang="en-GB" smtClean="0"/>
-              <a:t>25/06/2019</a:t>
+              <a:t>28/06/2019</a:t>
             </a:fld>
             <a:endParaRPr lang="en-GB"/>
           </a:p>
@@ -764,7 +764,7 @@
           <a:p>
             <a:fld id="{E626CB36-7E63-4C16-8907-02915AD85FD1}" type="datetimeFigureOut">
               <a:rPr lang="en-GB" smtClean="0"/>
-              <a:t>25/06/2019</a:t>
+              <a:t>28/06/2019</a:t>
             </a:fld>
             <a:endParaRPr lang="en-GB"/>
           </a:p>
@@ -1010,7 +1010,7 @@
           <a:p>
             <a:fld id="{E626CB36-7E63-4C16-8907-02915AD85FD1}" type="datetimeFigureOut">
               <a:rPr lang="en-GB" smtClean="0"/>
-              <a:t>25/06/2019</a:t>
+              <a:t>28/06/2019</a:t>
             </a:fld>
             <a:endParaRPr lang="en-GB"/>
           </a:p>
@@ -1242,7 +1242,7 @@
           <a:p>
             <a:fld id="{E626CB36-7E63-4C16-8907-02915AD85FD1}" type="datetimeFigureOut">
               <a:rPr lang="en-GB" smtClean="0"/>
-              <a:t>25/06/2019</a:t>
+              <a:t>28/06/2019</a:t>
             </a:fld>
             <a:endParaRPr lang="en-GB"/>
           </a:p>
@@ -1609,7 +1609,7 @@
           <a:p>
             <a:fld id="{E626CB36-7E63-4C16-8907-02915AD85FD1}" type="datetimeFigureOut">
               <a:rPr lang="en-GB" smtClean="0"/>
-              <a:t>25/06/2019</a:t>
+              <a:t>28/06/2019</a:t>
             </a:fld>
             <a:endParaRPr lang="en-GB"/>
           </a:p>
@@ -1727,7 +1727,7 @@
           <a:p>
             <a:fld id="{E626CB36-7E63-4C16-8907-02915AD85FD1}" type="datetimeFigureOut">
               <a:rPr lang="en-GB" smtClean="0"/>
-              <a:t>25/06/2019</a:t>
+              <a:t>28/06/2019</a:t>
             </a:fld>
             <a:endParaRPr lang="en-GB"/>
           </a:p>
@@ -1822,7 +1822,7 @@
           <a:p>
             <a:fld id="{E626CB36-7E63-4C16-8907-02915AD85FD1}" type="datetimeFigureOut">
               <a:rPr lang="en-GB" smtClean="0"/>
-              <a:t>25/06/2019</a:t>
+              <a:t>28/06/2019</a:t>
             </a:fld>
             <a:endParaRPr lang="en-GB"/>
           </a:p>
@@ -2099,7 +2099,7 @@
           <a:p>
             <a:fld id="{E626CB36-7E63-4C16-8907-02915AD85FD1}" type="datetimeFigureOut">
               <a:rPr lang="en-GB" smtClean="0"/>
-              <a:t>25/06/2019</a:t>
+              <a:t>28/06/2019</a:t>
             </a:fld>
             <a:endParaRPr lang="en-GB"/>
           </a:p>
@@ -2356,7 +2356,7 @@
           <a:p>
             <a:fld id="{E626CB36-7E63-4C16-8907-02915AD85FD1}" type="datetimeFigureOut">
               <a:rPr lang="en-GB" smtClean="0"/>
-              <a:t>25/06/2019</a:t>
+              <a:t>28/06/2019</a:t>
             </a:fld>
             <a:endParaRPr lang="en-GB"/>
           </a:p>
@@ -2569,7 +2569,7 @@
           <a:p>
             <a:fld id="{E626CB36-7E63-4C16-8907-02915AD85FD1}" type="datetimeFigureOut">
               <a:rPr lang="en-GB" smtClean="0"/>
-              <a:t>25/06/2019</a:t>
+              <a:t>28/06/2019</a:t>
             </a:fld>
             <a:endParaRPr lang="en-GB"/>
           </a:p>
@@ -6200,8 +6200,8 @@
         </p:nvSpPr>
         <p:spPr>
           <a:xfrm>
-            <a:off x="787878" y="1064624"/>
-            <a:ext cx="3857766" cy="415627"/>
+            <a:off x="430884" y="1064622"/>
+            <a:ext cx="4571754" cy="415627"/>
           </a:xfrm>
           <a:prstGeom prst="rect">
             <a:avLst/>
@@ -6227,7 +6227,7 @@
               <a:rPr lang="fr-FR" sz="2101" dirty="0">
                 <a:latin typeface="Consolas" panose="020B0609020204030204" pitchFamily="49" charset="0"/>
               </a:rPr>
-              <a:t>(y ~ x1 * x2 * x3)</a:t>
+              <a:t>(y ~ x1 * x2 * x3 * x4)</a:t>
             </a:r>
             <a:endParaRPr lang="en-GB" sz="2101" dirty="0">
               <a:latin typeface="Consolas" panose="020B0609020204030204" pitchFamily="49" charset="0"/>

--- a/paper/figures.pptx
+++ b/paper/figures.pptx
@@ -244,7 +244,7 @@
           <a:p>
             <a:fld id="{E626CB36-7E63-4C16-8907-02915AD85FD1}" type="datetimeFigureOut">
               <a:rPr lang="en-GB" smtClean="0"/>
-              <a:t>28/06/2019</a:t>
+              <a:t>23/09/2019</a:t>
             </a:fld>
             <a:endParaRPr lang="en-GB"/>
           </a:p>
@@ -414,7 +414,7 @@
           <a:p>
             <a:fld id="{E626CB36-7E63-4C16-8907-02915AD85FD1}" type="datetimeFigureOut">
               <a:rPr lang="en-GB" smtClean="0"/>
-              <a:t>28/06/2019</a:t>
+              <a:t>23/09/2019</a:t>
             </a:fld>
             <a:endParaRPr lang="en-GB"/>
           </a:p>
@@ -594,7 +594,7 @@
           <a:p>
             <a:fld id="{E626CB36-7E63-4C16-8907-02915AD85FD1}" type="datetimeFigureOut">
               <a:rPr lang="en-GB" smtClean="0"/>
-              <a:t>28/06/2019</a:t>
+              <a:t>23/09/2019</a:t>
             </a:fld>
             <a:endParaRPr lang="en-GB"/>
           </a:p>
@@ -764,7 +764,7 @@
           <a:p>
             <a:fld id="{E626CB36-7E63-4C16-8907-02915AD85FD1}" type="datetimeFigureOut">
               <a:rPr lang="en-GB" smtClean="0"/>
-              <a:t>28/06/2019</a:t>
+              <a:t>23/09/2019</a:t>
             </a:fld>
             <a:endParaRPr lang="en-GB"/>
           </a:p>
@@ -1010,7 +1010,7 @@
           <a:p>
             <a:fld id="{E626CB36-7E63-4C16-8907-02915AD85FD1}" type="datetimeFigureOut">
               <a:rPr lang="en-GB" smtClean="0"/>
-              <a:t>28/06/2019</a:t>
+              <a:t>23/09/2019</a:t>
             </a:fld>
             <a:endParaRPr lang="en-GB"/>
           </a:p>
@@ -1242,7 +1242,7 @@
           <a:p>
             <a:fld id="{E626CB36-7E63-4C16-8907-02915AD85FD1}" type="datetimeFigureOut">
               <a:rPr lang="en-GB" smtClean="0"/>
-              <a:t>28/06/2019</a:t>
+              <a:t>23/09/2019</a:t>
             </a:fld>
             <a:endParaRPr lang="en-GB"/>
           </a:p>
@@ -1609,7 +1609,7 @@
           <a:p>
             <a:fld id="{E626CB36-7E63-4C16-8907-02915AD85FD1}" type="datetimeFigureOut">
               <a:rPr lang="en-GB" smtClean="0"/>
-              <a:t>28/06/2019</a:t>
+              <a:t>23/09/2019</a:t>
             </a:fld>
             <a:endParaRPr lang="en-GB"/>
           </a:p>
@@ -1727,7 +1727,7 @@
           <a:p>
             <a:fld id="{E626CB36-7E63-4C16-8907-02915AD85FD1}" type="datetimeFigureOut">
               <a:rPr lang="en-GB" smtClean="0"/>
-              <a:t>28/06/2019</a:t>
+              <a:t>23/09/2019</a:t>
             </a:fld>
             <a:endParaRPr lang="en-GB"/>
           </a:p>
@@ -1822,7 +1822,7 @@
           <a:p>
             <a:fld id="{E626CB36-7E63-4C16-8907-02915AD85FD1}" type="datetimeFigureOut">
               <a:rPr lang="en-GB" smtClean="0"/>
-              <a:t>28/06/2019</a:t>
+              <a:t>23/09/2019</a:t>
             </a:fld>
             <a:endParaRPr lang="en-GB"/>
           </a:p>
@@ -2099,7 +2099,7 @@
           <a:p>
             <a:fld id="{E626CB36-7E63-4C16-8907-02915AD85FD1}" type="datetimeFigureOut">
               <a:rPr lang="en-GB" smtClean="0"/>
-              <a:t>28/06/2019</a:t>
+              <a:t>23/09/2019</a:t>
             </a:fld>
             <a:endParaRPr lang="en-GB"/>
           </a:p>
@@ -2356,7 +2356,7 @@
           <a:p>
             <a:fld id="{E626CB36-7E63-4C16-8907-02915AD85FD1}" type="datetimeFigureOut">
               <a:rPr lang="en-GB" smtClean="0"/>
-              <a:t>28/06/2019</a:t>
+              <a:t>23/09/2019</a:t>
             </a:fld>
             <a:endParaRPr lang="en-GB"/>
           </a:p>
@@ -2569,7 +2569,7 @@
           <a:p>
             <a:fld id="{E626CB36-7E63-4C16-8907-02915AD85FD1}" type="datetimeFigureOut">
               <a:rPr lang="en-GB" smtClean="0"/>
-              <a:t>28/06/2019</a:t>
+              <a:t>23/09/2019</a:t>
             </a:fld>
             <a:endParaRPr lang="en-GB"/>
           </a:p>
@@ -5215,6 +5215,132 @@
                 <a:latin typeface="Consolas" panose="020B0609020204030204" pitchFamily="49" charset="0"/>
               </a:rPr>
               <a:t>sem</a:t>
+            </a:r>
+            <a:r>
+              <a:rPr lang="fr-FR" sz="2400" dirty="0">
+                <a:latin typeface="Consolas" panose="020B0609020204030204" pitchFamily="49" charset="0"/>
+              </a:rPr>
+              <a:t>()</a:t>
+            </a:r>
+            <a:endParaRPr lang="en-GB" sz="2400" dirty="0">
+              <a:latin typeface="Consolas" panose="020B0609020204030204" pitchFamily="49" charset="0"/>
+            </a:endParaRPr>
+          </a:p>
+        </p:txBody>
+      </p:sp>
+      <p:sp>
+        <p:nvSpPr>
+          <p:cNvPr id="7" name="Rectangle 6">
+            <a:extLst>
+              <a:ext uri="{FF2B5EF4-FFF2-40B4-BE49-F238E27FC236}">
+                <a16:creationId xmlns:a16="http://schemas.microsoft.com/office/drawing/2014/main" id="{30B2F43E-563A-4060-8A93-6DA7CF6BB7CE}"/>
+              </a:ext>
+            </a:extLst>
+          </p:cNvPr>
+          <p:cNvSpPr/>
+          <p:nvPr/>
+        </p:nvSpPr>
+        <p:spPr>
+          <a:xfrm>
+            <a:off x="2818325" y="554429"/>
+            <a:ext cx="3073277" cy="461665"/>
+          </a:xfrm>
+          <a:prstGeom prst="rect">
+            <a:avLst/>
+          </a:prstGeom>
+        </p:spPr>
+        <p:txBody>
+          <a:bodyPr wrap="none">
+            <a:spAutoFit/>
+          </a:bodyPr>
+          <a:lstStyle/>
+          <a:p>
+            <a:r>
+              <a:rPr lang="fr-FR" sz="2400" b="1" dirty="0" err="1">
+                <a:solidFill>
+                  <a:srgbClr val="2196F3"/>
+                </a:solidFill>
+                <a:latin typeface="Consolas" panose="020B0609020204030204" pitchFamily="49" charset="0"/>
+              </a:rPr>
+              <a:t>FactoMineR</a:t>
+            </a:r>
+            <a:r>
+              <a:rPr lang="fr-FR" sz="2400" b="1" dirty="0">
+                <a:solidFill>
+                  <a:srgbClr val="F44336"/>
+                </a:solidFill>
+                <a:latin typeface="Consolas" panose="020B0609020204030204" pitchFamily="49" charset="0"/>
+              </a:rPr>
+              <a:t>::</a:t>
+            </a:r>
+            <a:r>
+              <a:rPr lang="fr-FR" sz="2400" b="1" dirty="0">
+                <a:latin typeface="Consolas" panose="020B0609020204030204" pitchFamily="49" charset="0"/>
+              </a:rPr>
+              <a:t>PCA</a:t>
+            </a:r>
+            <a:r>
+              <a:rPr lang="fr-FR" sz="2400" dirty="0">
+                <a:latin typeface="Consolas" panose="020B0609020204030204" pitchFamily="49" charset="0"/>
+              </a:rPr>
+              <a:t>()</a:t>
+            </a:r>
+            <a:endParaRPr lang="en-GB" sz="2400" dirty="0">
+              <a:latin typeface="Consolas" panose="020B0609020204030204" pitchFamily="49" charset="0"/>
+            </a:endParaRPr>
+          </a:p>
+        </p:txBody>
+      </p:sp>
+      <p:sp>
+        <p:nvSpPr>
+          <p:cNvPr id="27" name="Rectangle 26">
+            <a:extLst>
+              <a:ext uri="{FF2B5EF4-FFF2-40B4-BE49-F238E27FC236}">
+                <a16:creationId xmlns:a16="http://schemas.microsoft.com/office/drawing/2014/main" id="{86DCE0A3-E80A-4D82-9731-BC4967895AE1}"/>
+              </a:ext>
+            </a:extLst>
+          </p:cNvPr>
+          <p:cNvSpPr/>
+          <p:nvPr/>
+        </p:nvSpPr>
+        <p:spPr>
+          <a:xfrm>
+            <a:off x="182152" y="646797"/>
+            <a:ext cx="2563522" cy="461665"/>
+          </a:xfrm>
+          <a:prstGeom prst="rect">
+            <a:avLst/>
+          </a:prstGeom>
+        </p:spPr>
+        <p:txBody>
+          <a:bodyPr wrap="none">
+            <a:spAutoFit/>
+          </a:bodyPr>
+          <a:lstStyle/>
+          <a:p>
+            <a:r>
+              <a:rPr lang="fr-FR" sz="2400" b="1" dirty="0">
+                <a:solidFill>
+                  <a:srgbClr val="2196F3"/>
+                </a:solidFill>
+                <a:latin typeface="Consolas" panose="020B0609020204030204" pitchFamily="49" charset="0"/>
+              </a:rPr>
+              <a:t>gamm4</a:t>
+            </a:r>
+            <a:r>
+              <a:rPr lang="fr-FR" sz="2400" b="1" dirty="0">
+                <a:solidFill>
+                  <a:srgbClr val="F44336"/>
+                </a:solidFill>
+                <a:latin typeface="Consolas" panose="020B0609020204030204" pitchFamily="49" charset="0"/>
+              </a:rPr>
+              <a:t>::</a:t>
+            </a:r>
+            <a:r>
+              <a:rPr lang="fr-FR" sz="2400" b="1" dirty="0">
+                <a:latin typeface="Consolas" panose="020B0609020204030204" pitchFamily="49" charset="0"/>
+              </a:rPr>
+              <a:t>gamm4</a:t>
             </a:r>
             <a:r>
               <a:rPr lang="fr-FR" sz="2400" dirty="0">
